--- a/Dissertation.pptx
+++ b/Dissertation.pptx
@@ -130,7 +130,7 @@
 <file path=ppt/revisionInfo.xml><?xml version="1.0" encoding="utf-8"?>
 <p1510:revInfo xmlns:a="http://schemas.openxmlformats.org/drawingml/2006/main" xmlns:r="http://schemas.openxmlformats.org/officeDocument/2006/relationships" xmlns:p1510="http://schemas.microsoft.com/office/powerpoint/2015/10/main">
   <p1510:revLst>
-    <p1510:client id="{7633C744-217D-441F-A0A3-9DED9F12DFD3}" v="79" dt="2023-12-04T21:17:42.151"/>
+    <p1510:client id="{7633C744-217D-441F-A0A3-9DED9F12DFD3}" v="81" dt="2023-12-05T16:54:28.303"/>
   </p1510:revLst>
 </p1510:revInfo>
 </file>
@@ -140,7 +140,7 @@
   <pc:docChgLst>
     <pc:chgData name="Niall Gallagher" userId="6eef7255c4c1f231" providerId="LiveId" clId="{7633C744-217D-441F-A0A3-9DED9F12DFD3}"/>
     <pc:docChg chg="undo custSel addSld delSld modSld sldOrd delMainMaster">
-      <pc:chgData name="Niall Gallagher" userId="6eef7255c4c1f231" providerId="LiveId" clId="{7633C744-217D-441F-A0A3-9DED9F12DFD3}" dt="2023-12-04T21:57:43.417" v="5572" actId="122"/>
+      <pc:chgData name="Niall Gallagher" userId="6eef7255c4c1f231" providerId="LiveId" clId="{7633C744-217D-441F-A0A3-9DED9F12DFD3}" dt="2023-12-05T16:57:07.184" v="6350" actId="20577"/>
       <pc:docMkLst>
         <pc:docMk/>
       </pc:docMkLst>
@@ -506,7 +506,7 @@
         </pc:spChg>
       </pc:sldChg>
       <pc:sldChg chg="addSp modSp mod ord modNotesTx">
-        <pc:chgData name="Niall Gallagher" userId="6eef7255c4c1f231" providerId="LiveId" clId="{7633C744-217D-441F-A0A3-9DED9F12DFD3}" dt="2023-12-04T19:53:07.913" v="3696" actId="20577"/>
+        <pc:chgData name="Niall Gallagher" userId="6eef7255c4c1f231" providerId="LiveId" clId="{7633C744-217D-441F-A0A3-9DED9F12DFD3}" dt="2023-12-05T16:42:30.631" v="5632" actId="20577"/>
         <pc:sldMkLst>
           <pc:docMk/>
           <pc:sldMk cId="431230710" sldId="261"/>
@@ -520,7 +520,7 @@
           </ac:spMkLst>
         </pc:spChg>
         <pc:spChg chg="mod">
-          <ac:chgData name="Niall Gallagher" userId="6eef7255c4c1f231" providerId="LiveId" clId="{7633C744-217D-441F-A0A3-9DED9F12DFD3}" dt="2023-12-04T17:24:27.737" v="1401" actId="20577"/>
+          <ac:chgData name="Niall Gallagher" userId="6eef7255c4c1f231" providerId="LiveId" clId="{7633C744-217D-441F-A0A3-9DED9F12DFD3}" dt="2023-12-05T16:36:14.707" v="5578" actId="20577"/>
           <ac:spMkLst>
             <pc:docMk/>
             <pc:sldMk cId="431230710" sldId="261"/>
@@ -553,7 +553,7 @@
         </pc:picChg>
       </pc:sldChg>
       <pc:sldChg chg="addSp delSp modSp add mod modNotesTx">
-        <pc:chgData name="Niall Gallagher" userId="6eef7255c4c1f231" providerId="LiveId" clId="{7633C744-217D-441F-A0A3-9DED9F12DFD3}" dt="2023-12-04T21:57:43.417" v="5572" actId="122"/>
+        <pc:chgData name="Niall Gallagher" userId="6eef7255c4c1f231" providerId="LiveId" clId="{7633C744-217D-441F-A0A3-9DED9F12DFD3}" dt="2023-12-05T16:46:26.443" v="5650" actId="20577"/>
         <pc:sldMkLst>
           <pc:docMk/>
           <pc:sldMk cId="1755635945" sldId="262"/>
@@ -969,7 +969,7 @@
         </pc:picChg>
       </pc:sldChg>
       <pc:sldChg chg="addSp delSp modSp new mod ord modNotesTx">
-        <pc:chgData name="Niall Gallagher" userId="6eef7255c4c1f231" providerId="LiveId" clId="{7633C744-217D-441F-A0A3-9DED9F12DFD3}" dt="2023-12-04T21:17:41.777" v="5045" actId="20577"/>
+        <pc:chgData name="Niall Gallagher" userId="6eef7255c4c1f231" providerId="LiveId" clId="{7633C744-217D-441F-A0A3-9DED9F12DFD3}" dt="2023-12-05T16:57:07.184" v="6350" actId="20577"/>
         <pc:sldMkLst>
           <pc:docMk/>
           <pc:sldMk cId="3862219483" sldId="270"/>
@@ -983,7 +983,7 @@
           </ac:spMkLst>
         </pc:spChg>
         <pc:spChg chg="mod">
-          <ac:chgData name="Niall Gallagher" userId="6eef7255c4c1f231" providerId="LiveId" clId="{7633C744-217D-441F-A0A3-9DED9F12DFD3}" dt="2023-12-04T21:17:41.777" v="5045" actId="20577"/>
+          <ac:chgData name="Niall Gallagher" userId="6eef7255c4c1f231" providerId="LiveId" clId="{7633C744-217D-441F-A0A3-9DED9F12DFD3}" dt="2023-12-05T16:50:19.001" v="5656" actId="20577"/>
           <ac:spMkLst>
             <pc:docMk/>
             <pc:sldMk cId="3862219483" sldId="270"/>
@@ -1275,7 +1275,7 @@
           <a:p>
             <a:fld id="{D83861AB-1467-48F0-8269-03172FC4C1CC}" type="datetimeFigureOut">
               <a:rPr lang="en-IE" smtClean="0"/>
-              <a:t>04/12/2023</a:t>
+              <a:t>05/12/2023</a:t>
             </a:fld>
             <a:endParaRPr lang="en-IE"/>
           </a:p>
@@ -1691,7 +1691,7 @@
             </a:pPr>
             <a:r>
               <a:rPr lang="en-GB" dirty="0"/>
-              <a:t>To the a neutral: A bad injury.</a:t>
+              <a:t>To a neutral: A bad injury.</a:t>
             </a:r>
           </a:p>
           <a:p>
@@ -1701,7 +1701,7 @@
             </a:pPr>
             <a:r>
               <a:rPr lang="en-IE" dirty="0"/>
-              <a:t>To a FC Dallas Fan: Our Star midfielder is down our chance of winning are impacted.</a:t>
+              <a:t>To a FC Dallas Fan: “Our Star midfielder is down our chance of winning are impacted”.</a:t>
             </a:r>
           </a:p>
           <a:p>
@@ -1711,7 +1711,7 @@
             </a:pPr>
             <a:r>
               <a:rPr lang="en-IE" dirty="0"/>
-              <a:t>To A Manager: Who do I bring on to have the same impact.</a:t>
+              <a:t>To A Manager: “Who do I bring on to have the same impact”.</a:t>
             </a:r>
           </a:p>
           <a:p>
@@ -1721,7 +1721,7 @@
             </a:pPr>
             <a:r>
               <a:rPr lang="en-IE" dirty="0"/>
-              <a:t>To A  Physio: Looks Like a busy few upcoming weeks.</a:t>
+              <a:t>To A Physio: Looks Like a busy few upcoming weeks.</a:t>
             </a:r>
           </a:p>
           <a:p>
@@ -1736,7 +1736,7 @@
                 <a:ea typeface="Calibri" panose="020F0502020204030204" pitchFamily="34" charset="0"/>
                 <a:cs typeface="Times New Roman" panose="02020603050405020304" pitchFamily="18" charset="0"/>
               </a:rPr>
-              <a:t>Football can transcend geographical boundaries and cultural differences, captivating millions of enthusiasts globally. Due to the sport’s competitive nature that is intertwined with demands of a rigorous schedule places an increased risk of injury to professional football players. Among the myriad factors that influence a player's well-being, the nature of playing surface plays emerges as a topical determinant. </a:t>
+              <a:t>Football can transcend geographical boundaries and cultural differences, captivating millions of enthusiasts globally. Due to the sport’s competitive nature that is intertwined with demands of a rigorous schedule places an increased risk of injury to professional football players. The nature of playing surface emerges as open to debate..</a:t>
             </a:r>
             <a:endParaRPr lang="en-IE" dirty="0"/>
           </a:p>
@@ -1829,7 +1829,7 @@
                 <a:ea typeface="Calibri" panose="020F0502020204030204" pitchFamily="34" charset="0"/>
                 <a:cs typeface="Times New Roman" panose="02020603050405020304" pitchFamily="18" charset="0"/>
               </a:rPr>
-              <a:t>The introduction of artificial turf, or as more commonly referred to as astro turf, alongside natural grass pitches has prompted many discussions and debates regarding its potential influence on player injuries.</a:t>
+              <a:t>The introduction of artificial turf, or as more commonly referred to as astro turf, alongside natural grass pitches has prompted many discussions and debates regarding its potential impact on player injuries.</a:t>
             </a:r>
           </a:p>
           <a:p>
@@ -1876,7 +1876,7 @@
                 <a:latin typeface="Cambria" panose="02040503050406030204" pitchFamily="18" charset="0"/>
                 <a:cs typeface="Times New Roman" panose="02020603050405020304" pitchFamily="18" charset="0"/>
               </a:rPr>
-              <a:t>As you can see in map of America, It’s a vast country with multiple climates. My aim is to look at variables such as weather to see if this has an impact. The artificial pitches are spread out which  will be good for my study as look at a variety of Climates across multiple States and Territories. </a:t>
+              <a:t>As you can see in map of America, It’s a vast country with multiple climates. My aim is to look at variables such as weather to see if this has an impact on injuries. The artificial pitches are spread out which  will be good for my study as look at a variety of Climates across multiple States and Territories. </a:t>
             </a:r>
           </a:p>
         </p:txBody>
@@ -2251,27 +2251,78 @@
           <a:p>
             <a:r>
               <a:rPr lang="en-GB" dirty="0"/>
-              <a:t>Trying to label and predict injury based on pitch surface with help from public info</a:t>
-            </a:r>
-          </a:p>
-          <a:p>
+              <a:t>Read out Problems.</a:t>
+            </a:r>
+          </a:p>
+          <a:p>
+            <a:pPr marL="0" marR="0" lvl="0" indent="0" algn="l" defTabSz="914400" rtl="0" eaLnBrk="1" fontAlgn="auto" latinLnBrk="0" hangingPunct="1">
+              <a:lnSpc>
+                <a:spcPct val="100000"/>
+              </a:lnSpc>
+              <a:spcBef>
+                <a:spcPts val="0"/>
+              </a:spcBef>
+              <a:spcAft>
+                <a:spcPts val="0"/>
+              </a:spcAft>
+              <a:buClrTx/>
+              <a:buSzTx/>
+              <a:buFontTx/>
+              <a:buNone/>
+              <a:tabLst/>
+              <a:defRPr/>
+            </a:pPr>
             <a:r>
               <a:rPr lang="en-GB" dirty="0"/>
-              <a:t>sources </a:t>
+              <a:t>Data Gathered from Weather Api and </a:t>
+            </a:r>
+            <a:r>
+              <a:rPr lang="en-IE" dirty="0"/>
+              <a:t>Scraped From other sources such as </a:t>
+            </a:r>
+            <a:r>
+              <a:rPr lang="en-GB" dirty="0"/>
+              <a:t>matches from (FBREF) and player backgrounds  from(</a:t>
             </a:r>
             <a:r>
               <a:rPr lang="en-GB" dirty="0" err="1"/>
-              <a:t>fbref</a:t>
+              <a:t>Transfermarkt</a:t>
             </a:r>
             <a:r>
               <a:rPr lang="en-GB" dirty="0"/>
-              <a:t> and </a:t>
-            </a:r>
-            <a:r>
-              <a:rPr lang="en-GB" dirty="0" err="1"/>
-              <a:t>transfermarkt</a:t>
-            </a:r>
-            <a:endParaRPr lang="en-IE" dirty="0"/>
+              <a:t>).</a:t>
+            </a:r>
+          </a:p>
+          <a:p>
+            <a:pPr marL="0" marR="0" lvl="0" indent="0" algn="l" defTabSz="914400" rtl="0" eaLnBrk="1" fontAlgn="auto" latinLnBrk="0" hangingPunct="1">
+              <a:lnSpc>
+                <a:spcPct val="100000"/>
+              </a:lnSpc>
+              <a:spcBef>
+                <a:spcPts val="0"/>
+              </a:spcBef>
+              <a:spcAft>
+                <a:spcPts val="0"/>
+              </a:spcAft>
+              <a:buClrTx/>
+              <a:buSzTx/>
+              <a:buFontTx/>
+              <a:buNone/>
+              <a:tabLst/>
+              <a:defRPr/>
+            </a:pPr>
+            <a:r>
+              <a:rPr lang="en-GB" dirty="0"/>
+              <a:t>The Main objective before tackling </a:t>
+            </a:r>
+            <a:r>
+              <a:rPr lang="en-GB"/>
+              <a:t>the problems </a:t>
+            </a:r>
+            <a:r>
+              <a:rPr lang="en-GB" dirty="0"/>
+              <a:t>above was linking the data together through various primary and foreign keys i.e. player id, match ids and dates. </a:t>
+            </a:r>
           </a:p>
         </p:txBody>
       </p:sp>
@@ -2772,7 +2823,7 @@
             <a:fld id="{2EE067FE-8724-A948-B3D1-BEBDE2EC6226}" type="datetimeFigureOut">
               <a:rPr lang="en-US" smtClean="0"/>
               <a:pPr/>
-              <a:t>12/4/2023</a:t>
+              <a:t>12/5/2023</a:t>
             </a:fld>
             <a:endParaRPr lang="en-US" dirty="0"/>
           </a:p>
@@ -3998,7 +4049,7 @@
           <a:p>
             <a:r>
               <a:rPr lang="en-US" dirty="0"/>
-              <a:t>The Image to the left show between an Injury to FC Dallas Star Alan Velasco during the 2023 MLS Playoffs.</a:t>
+              <a:t>The Image on the left shows an injury to FC Dallas Star Alan Velasco during the 2023 MLS Playoffs.</a:t>
             </a:r>
           </a:p>
           <a:p>
@@ -4743,13 +4794,13 @@
           <a:p>
             <a:r>
               <a:rPr lang="en-GB" sz="2400" dirty="0"/>
-              <a:t>The Correlation of injury and pitch surface with help from public sources.</a:t>
+              <a:t>The correlation of injury and pitch surface.</a:t>
             </a:r>
           </a:p>
           <a:p>
             <a:r>
               <a:rPr lang="en-GB" sz="2400" dirty="0"/>
-              <a:t>The Prediction of injury based in the league based on numerous factors such as a player's biography, game time and injury history.</a:t>
+              <a:t>The prediction of injury in the league based on numerous factors such as a player's biography, game time and injury history.</a:t>
             </a:r>
             <a:endParaRPr lang="en-IE" sz="2400" dirty="0"/>
           </a:p>
